--- a/Day10/自定义组件.pptx
+++ b/Day10/自定义组件.pptx
@@ -320,7 +320,7 @@
           <a:p>
             <a:fld id="{A2342C6F-61F0-4565-82FC-57217F9F55CD}" type="datetimeFigureOut">
               <a:rPr lang="zh-CN" altLang="en-US" smtClean="0"/>
-              <a:t>2021/7/31</a:t>
+              <a:t>2021/8/4</a:t>
             </a:fld>
             <a:endParaRPr lang="zh-CN" altLang="en-US"/>
           </a:p>
@@ -485,7 +485,7 @@
           <a:p>
             <a:fld id="{D7C4E7F0-B892-4533-A580-82F5640A19FF}" type="datetimeFigureOut">
               <a:rPr lang="zh-CN" altLang="en-US" smtClean="0"/>
-              <a:t>2021/7/31</a:t>
+              <a:t>2021/8/4</a:t>
             </a:fld>
             <a:endParaRPr lang="zh-CN" altLang="en-US"/>
           </a:p>
@@ -2456,8 +2456,13 @@
             </a:r>
             <a:r>
               <a:rPr lang="en-US" altLang="zh-CN" dirty="0"/>
-              <a:t>: Number,</a:t>
-            </a:r>
+              <a:t>:</a:t>
+            </a:r>
+            <a:r>
+              <a:rPr lang="en-US" altLang="zh-CN"/>
+              <a:t> Number,</a:t>
+            </a:r>
+            <a:endParaRPr lang="en-US" altLang="zh-CN" dirty="0"/>
           </a:p>
           <a:p>
             <a:pPr marL="265112" lvl="1" indent="0">
